--- a/gfx/interface/state_interface/gfx_work.pptx
+++ b/gfx/interface/state_interface/gfx_work.pptx
@@ -6,6 +6,7 @@
   </p:sldMasterIdLst>
   <p:sldIdLst>
     <p:sldId id="256" r:id="rId2"/>
+    <p:sldId id="257" r:id="rId3"/>
   </p:sldIdLst>
   <p:sldSz cx="12192000" cy="6858000"/>
   <p:notesSz cx="6858000" cy="9144000"/>
@@ -104,6 +105,11 @@
       </a:defRPr>
     </a:lvl9pPr>
   </p:defaultTextStyle>
+  <p:extLst>
+    <p:ext uri="{EFAFB233-063F-42B5-8137-9DF3F51BA10A}">
+      <p15:sldGuideLst xmlns:p15="http://schemas.microsoft.com/office/powerpoint/2012/main"/>
+    </p:ext>
+  </p:extLst>
 </p:presentation>
 </file>
 
@@ -254,7 +260,7 @@
           <a:p>
             <a:fld id="{9487A9C4-8F66-4CB9-ADE9-479BE39E26DF}" type="datetimeFigureOut">
               <a:rPr lang="en-US" smtClean="0"/>
-              <a:t>01/29/22</a:t>
+              <a:t>02/15/22</a:t>
             </a:fld>
             <a:endParaRPr lang="en-US"/>
           </a:p>
@@ -452,7 +458,7 @@
           <a:p>
             <a:fld id="{9487A9C4-8F66-4CB9-ADE9-479BE39E26DF}" type="datetimeFigureOut">
               <a:rPr lang="en-US" smtClean="0"/>
-              <a:t>01/29/22</a:t>
+              <a:t>02/15/22</a:t>
             </a:fld>
             <a:endParaRPr lang="en-US"/>
           </a:p>
@@ -660,7 +666,7 @@
           <a:p>
             <a:fld id="{9487A9C4-8F66-4CB9-ADE9-479BE39E26DF}" type="datetimeFigureOut">
               <a:rPr lang="en-US" smtClean="0"/>
-              <a:t>01/29/22</a:t>
+              <a:t>02/15/22</a:t>
             </a:fld>
             <a:endParaRPr lang="en-US"/>
           </a:p>
@@ -858,7 +864,7 @@
           <a:p>
             <a:fld id="{9487A9C4-8F66-4CB9-ADE9-479BE39E26DF}" type="datetimeFigureOut">
               <a:rPr lang="en-US" smtClean="0"/>
-              <a:t>01/29/22</a:t>
+              <a:t>02/15/22</a:t>
             </a:fld>
             <a:endParaRPr lang="en-US"/>
           </a:p>
@@ -1133,7 +1139,7 @@
           <a:p>
             <a:fld id="{9487A9C4-8F66-4CB9-ADE9-479BE39E26DF}" type="datetimeFigureOut">
               <a:rPr lang="en-US" smtClean="0"/>
-              <a:t>01/29/22</a:t>
+              <a:t>02/15/22</a:t>
             </a:fld>
             <a:endParaRPr lang="en-US"/>
           </a:p>
@@ -1398,7 +1404,7 @@
           <a:p>
             <a:fld id="{9487A9C4-8F66-4CB9-ADE9-479BE39E26DF}" type="datetimeFigureOut">
               <a:rPr lang="en-US" smtClean="0"/>
-              <a:t>01/29/22</a:t>
+              <a:t>02/15/22</a:t>
             </a:fld>
             <a:endParaRPr lang="en-US"/>
           </a:p>
@@ -1810,7 +1816,7 @@
           <a:p>
             <a:fld id="{9487A9C4-8F66-4CB9-ADE9-479BE39E26DF}" type="datetimeFigureOut">
               <a:rPr lang="en-US" smtClean="0"/>
-              <a:t>01/29/22</a:t>
+              <a:t>02/15/22</a:t>
             </a:fld>
             <a:endParaRPr lang="en-US"/>
           </a:p>
@@ -1951,7 +1957,7 @@
           <a:p>
             <a:fld id="{9487A9C4-8F66-4CB9-ADE9-479BE39E26DF}" type="datetimeFigureOut">
               <a:rPr lang="en-US" smtClean="0"/>
-              <a:t>01/29/22</a:t>
+              <a:t>02/15/22</a:t>
             </a:fld>
             <a:endParaRPr lang="en-US"/>
           </a:p>
@@ -2064,7 +2070,7 @@
           <a:p>
             <a:fld id="{9487A9C4-8F66-4CB9-ADE9-479BE39E26DF}" type="datetimeFigureOut">
               <a:rPr lang="en-US" smtClean="0"/>
-              <a:t>01/29/22</a:t>
+              <a:t>02/15/22</a:t>
             </a:fld>
             <a:endParaRPr lang="en-US"/>
           </a:p>
@@ -2375,7 +2381,7 @@
           <a:p>
             <a:fld id="{9487A9C4-8F66-4CB9-ADE9-479BE39E26DF}" type="datetimeFigureOut">
               <a:rPr lang="en-US" smtClean="0"/>
-              <a:t>01/29/22</a:t>
+              <a:t>02/15/22</a:t>
             </a:fld>
             <a:endParaRPr lang="en-US"/>
           </a:p>
@@ -2663,7 +2669,7 @@
           <a:p>
             <a:fld id="{9487A9C4-8F66-4CB9-ADE9-479BE39E26DF}" type="datetimeFigureOut">
               <a:rPr lang="en-US" smtClean="0"/>
-              <a:t>01/29/22</a:t>
+              <a:t>02/15/22</a:t>
             </a:fld>
             <a:endParaRPr lang="en-US"/>
           </a:p>
@@ -2904,7 +2910,7 @@
           <a:p>
             <a:fld id="{9487A9C4-8F66-4CB9-ADE9-479BE39E26DF}" type="datetimeFigureOut">
               <a:rPr lang="en-US" smtClean="0"/>
-              <a:t>01/29/22</a:t>
+              <a:t>02/15/22</a:t>
             </a:fld>
             <a:endParaRPr lang="en-US"/>
           </a:p>
@@ -3469,6 +3475,581 @@
 </p:sld>
 </file>
 
+<file path=ppt/slides/slide2.xml><?xml version="1.0" encoding="utf-8"?>
+<p:sld xmlns:a="http://schemas.openxmlformats.org/drawingml/2006/main" xmlns:r="http://schemas.openxmlformats.org/officeDocument/2006/relationships" xmlns:p="http://schemas.openxmlformats.org/presentationml/2006/main">
+  <p:cSld>
+    <p:spTree>
+      <p:nvGrpSpPr>
+        <p:cNvPr id="1" name=""/>
+        <p:cNvGrpSpPr/>
+        <p:nvPr/>
+      </p:nvGrpSpPr>
+      <p:grpSpPr>
+        <a:xfrm>
+          <a:off x="0" y="0"/>
+          <a:ext cx="0" cy="0"/>
+          <a:chOff x="0" y="0"/>
+          <a:chExt cx="0" cy="0"/>
+        </a:xfrm>
+      </p:grpSpPr>
+      <p:pic>
+        <p:nvPicPr>
+          <p:cNvPr id="4" name="Picture 3" descr="A close up of a person's face&#10;&#10;Description automatically generated with low confidence">
+            <a:extLst>
+              <a:ext uri="{FF2B5EF4-FFF2-40B4-BE49-F238E27FC236}">
+                <a16:creationId xmlns:a16="http://schemas.microsoft.com/office/drawing/2014/main" id="{5499DBAD-6C25-4DA9-B06A-28800BC2E3B0}"/>
+              </a:ext>
+            </a:extLst>
+          </p:cNvPr>
+          <p:cNvPicPr>
+            <a:picLocks noChangeAspect="1"/>
+          </p:cNvPicPr>
+          <p:nvPr/>
+        </p:nvPicPr>
+        <p:blipFill>
+          <a:blip r:embed="rId2"/>
+          <a:stretch>
+            <a:fillRect/>
+          </a:stretch>
+        </p:blipFill>
+        <p:spPr>
+          <a:xfrm>
+            <a:off x="3810254" y="365125"/>
+            <a:ext cx="4571492" cy="4572000"/>
+          </a:xfrm>
+          <a:prstGeom prst="ellipse">
+            <a:avLst/>
+          </a:prstGeom>
+          <a:ln w="190500" cap="rnd">
+            <a:solidFill>
+              <a:srgbClr val="6E3918"/>
+            </a:solidFill>
+            <a:prstDash val="solid"/>
+          </a:ln>
+          <a:effectLst>
+            <a:outerShdw blurRad="127000" algn="bl" rotWithShape="0">
+              <a:srgbClr val="000000"/>
+            </a:outerShdw>
+          </a:effectLst>
+          <a:scene3d>
+            <a:camera prst="perspectiveFront" fov="5400000"/>
+            <a:lightRig rig="threePt" dir="t">
+              <a:rot lat="0" lon="0" rev="19200000"/>
+            </a:lightRig>
+          </a:scene3d>
+          <a:sp3d extrusionH="25400">
+            <a:bevelT w="304800" h="152400" prst="hardEdge"/>
+            <a:extrusionClr>
+              <a:srgbClr val="000000"/>
+            </a:extrusionClr>
+          </a:sp3d>
+        </p:spPr>
+      </p:pic>
+      <p:pic>
+        <p:nvPicPr>
+          <p:cNvPr id="1026" name="Picture 2" descr="Africa Outline - ClipArt Best">
+            <a:extLst>
+              <a:ext uri="{FF2B5EF4-FFF2-40B4-BE49-F238E27FC236}">
+                <a16:creationId xmlns:a16="http://schemas.microsoft.com/office/drawing/2014/main" id="{2DE901C7-ECF2-4FF1-8A1C-4C209449AA0F}"/>
+              </a:ext>
+            </a:extLst>
+          </p:cNvPr>
+          <p:cNvPicPr>
+            <a:picLocks noChangeAspect="1" noChangeArrowheads="1"/>
+          </p:cNvPicPr>
+          <p:nvPr/>
+        </p:nvPicPr>
+        <p:blipFill>
+          <a:blip r:embed="rId3">
+            <a:extLst>
+              <a:ext uri="{BEBA8EAE-BF5A-486C-A8C5-ECC9F3942E4B}">
+                <a14:imgProps xmlns:a14="http://schemas.microsoft.com/office/drawing/2010/main">
+                  <a14:imgLayer r:embed="rId4">
+                    <a14:imgEffect>
+                      <a14:backgroundRemoval t="3135" b="93730" l="9181" r="90424">
+                        <a14:foregroundMark x1="9279" y1="22780" x2="9279" y2="22780"/>
+                        <a14:foregroundMark x1="64462" y1="9509" x2="64462" y2="9509"/>
+                        <a14:foregroundMark x1="41461" y1="3239" x2="41461" y2="3239"/>
+                        <a14:foregroundMark x1="90523" y1="34692" x2="90523" y2="34692"/>
+                        <a14:foregroundMark x1="50247" y1="93730" x2="50247" y2="93730"/>
+                      </a14:backgroundRemoval>
+                    </a14:imgEffect>
+                  </a14:imgLayer>
+                </a14:imgProps>
+              </a:ext>
+              <a:ext uri="{28A0092B-C50C-407E-A947-70E740481C1C}">
+                <a14:useLocalDpi xmlns:a14="http://schemas.microsoft.com/office/drawing/2010/main" val="0"/>
+              </a:ext>
+            </a:extLst>
+          </a:blip>
+          <a:srcRect/>
+          <a:stretch>
+            <a:fillRect/>
+          </a:stretch>
+        </p:blipFill>
+        <p:spPr bwMode="auto">
+          <a:xfrm>
+            <a:off x="4112641" y="810421"/>
+            <a:ext cx="4269105" cy="4032918"/>
+          </a:xfrm>
+          <a:prstGeom prst="rect">
+            <a:avLst/>
+          </a:prstGeom>
+          <a:noFill/>
+          <a:extLst>
+            <a:ext uri="{909E8E84-426E-40DD-AFC4-6F175D3DCCD1}">
+              <a14:hiddenFill xmlns:a14="http://schemas.microsoft.com/office/drawing/2010/main">
+                <a:solidFill>
+                  <a:srgbClr val="FFFFFF"/>
+                </a:solidFill>
+              </a14:hiddenFill>
+            </a:ext>
+          </a:extLst>
+        </p:spPr>
+      </p:pic>
+      <p:sp>
+        <p:nvSpPr>
+          <p:cNvPr id="2" name="Title 1">
+            <a:extLst>
+              <a:ext uri="{FF2B5EF4-FFF2-40B4-BE49-F238E27FC236}">
+                <a16:creationId xmlns:a16="http://schemas.microsoft.com/office/drawing/2014/main" id="{600A4708-5A2D-44EA-9A4E-65FC68672DF4}"/>
+              </a:ext>
+            </a:extLst>
+          </p:cNvPr>
+          <p:cNvSpPr>
+            <a:spLocks noGrp="1"/>
+          </p:cNvSpPr>
+          <p:nvPr>
+            <p:ph type="title"/>
+          </p:nvPr>
+        </p:nvSpPr>
+        <p:spPr>
+          <a:xfrm>
+            <a:off x="838200" y="458911"/>
+            <a:ext cx="10515600" cy="4384428"/>
+          </a:xfrm>
+        </p:spPr>
+        <p:txBody>
+          <a:bodyPr>
+            <a:normAutofit/>
+            <a:scene3d>
+              <a:camera prst="orthographicFront"/>
+              <a:lightRig rig="threePt" dir="t"/>
+            </a:scene3d>
+            <a:sp3d extrusionH="57150">
+              <a:bevelT h="25400" prst="softRound"/>
+            </a:sp3d>
+          </a:bodyPr>
+          <a:lstStyle/>
+          <a:p>
+            <a:pPr algn="ctr"/>
+            <a:r>
+              <a:rPr lang="en-US" sz="9600" b="1" dirty="0">
+                <a:ln>
+                  <a:solidFill>
+                    <a:schemeClr val="tx1"/>
+                  </a:solidFill>
+                </a:ln>
+                <a:solidFill>
+                  <a:schemeClr val="bg1">
+                    <a:lumMod val="95000"/>
+                  </a:schemeClr>
+                </a:solidFill>
+                <a:effectLst>
+                  <a:outerShdw blurRad="38100" dist="38100" dir="2700000" algn="tl">
+                    <a:srgbClr val="000000">
+                      <a:alpha val="43137"/>
+                    </a:srgbClr>
+                  </a:outerShdw>
+                </a:effectLst>
+                <a:latin typeface="Galocca Personal Use" pitchFamily="50" charset="0"/>
+              </a:rPr>
+              <a:t>A</a:t>
+            </a:r>
+            <a:r>
+              <a:rPr lang="en-US" sz="5400" b="1" dirty="0">
+                <a:ln>
+                  <a:solidFill>
+                    <a:schemeClr val="tx1"/>
+                  </a:solidFill>
+                </a:ln>
+                <a:solidFill>
+                  <a:schemeClr val="bg1">
+                    <a:lumMod val="95000"/>
+                  </a:schemeClr>
+                </a:solidFill>
+                <a:effectLst>
+                  <a:outerShdw blurRad="38100" dist="38100" dir="2700000" algn="tl">
+                    <a:srgbClr val="000000">
+                      <a:alpha val="43137"/>
+                    </a:srgbClr>
+                  </a:outerShdw>
+                </a:effectLst>
+                <a:latin typeface="Galocca Personal Use" pitchFamily="50" charset="0"/>
+              </a:rPr>
+              <a:t> </a:t>
+            </a:r>
+            <a:r>
+              <a:rPr lang="en-US" sz="9600" b="1" dirty="0">
+                <a:ln>
+                  <a:solidFill>
+                    <a:schemeClr val="tx1"/>
+                  </a:solidFill>
+                </a:ln>
+                <a:solidFill>
+                  <a:schemeClr val="bg1">
+                    <a:lumMod val="95000"/>
+                  </a:schemeClr>
+                </a:solidFill>
+                <a:effectLst>
+                  <a:outerShdw blurRad="38100" dist="38100" dir="2700000" algn="tl">
+                    <a:srgbClr val="000000">
+                      <a:alpha val="43137"/>
+                    </a:srgbClr>
+                  </a:outerShdw>
+                </a:effectLst>
+                <a:latin typeface="Galocca Personal Use" pitchFamily="50" charset="0"/>
+              </a:rPr>
+              <a:t>l</a:t>
+            </a:r>
+            <a:r>
+              <a:rPr lang="en-US" sz="5400" b="1" dirty="0">
+                <a:ln>
+                  <a:solidFill>
+                    <a:schemeClr val="tx1"/>
+                  </a:solidFill>
+                </a:ln>
+                <a:solidFill>
+                  <a:schemeClr val="bg1">
+                    <a:lumMod val="95000"/>
+                  </a:schemeClr>
+                </a:solidFill>
+                <a:effectLst>
+                  <a:outerShdw blurRad="38100" dist="38100" dir="2700000" algn="tl">
+                    <a:srgbClr val="000000">
+                      <a:alpha val="43137"/>
+                    </a:srgbClr>
+                  </a:outerShdw>
+                </a:effectLst>
+                <a:latin typeface="Galocca Personal Use" pitchFamily="50" charset="0"/>
+              </a:rPr>
+              <a:t> </a:t>
+            </a:r>
+            <a:r>
+              <a:rPr lang="en-US" sz="9600" b="1" dirty="0">
+                <a:ln>
+                  <a:solidFill>
+                    <a:schemeClr val="tx1"/>
+                  </a:solidFill>
+                </a:ln>
+                <a:solidFill>
+                  <a:schemeClr val="bg1">
+                    <a:lumMod val="95000"/>
+                  </a:schemeClr>
+                </a:solidFill>
+                <a:effectLst>
+                  <a:outerShdw blurRad="38100" dist="38100" dir="2700000" algn="tl">
+                    <a:srgbClr val="000000">
+                      <a:alpha val="43137"/>
+                    </a:srgbClr>
+                  </a:outerShdw>
+                </a:effectLst>
+                <a:latin typeface="Galocca Personal Use" pitchFamily="50" charset="0"/>
+              </a:rPr>
+              <a:t>k</a:t>
+            </a:r>
+            <a:r>
+              <a:rPr lang="en-US" sz="5400" b="1" dirty="0">
+                <a:ln>
+                  <a:solidFill>
+                    <a:schemeClr val="tx1"/>
+                  </a:solidFill>
+                </a:ln>
+                <a:solidFill>
+                  <a:schemeClr val="bg1">
+                    <a:lumMod val="95000"/>
+                  </a:schemeClr>
+                </a:solidFill>
+                <a:effectLst>
+                  <a:outerShdw blurRad="38100" dist="38100" dir="2700000" algn="tl">
+                    <a:srgbClr val="000000">
+                      <a:alpha val="43137"/>
+                    </a:srgbClr>
+                  </a:outerShdw>
+                </a:effectLst>
+                <a:latin typeface="Galocca Personal Use" pitchFamily="50" charset="0"/>
+              </a:rPr>
+              <a:t> </a:t>
+            </a:r>
+            <a:r>
+              <a:rPr lang="en-US" sz="9600" b="1" dirty="0">
+                <a:ln>
+                  <a:solidFill>
+                    <a:schemeClr val="tx1"/>
+                  </a:solidFill>
+                </a:ln>
+                <a:solidFill>
+                  <a:schemeClr val="bg1">
+                    <a:lumMod val="95000"/>
+                  </a:schemeClr>
+                </a:solidFill>
+                <a:effectLst>
+                  <a:outerShdw blurRad="38100" dist="38100" dir="2700000" algn="tl">
+                    <a:srgbClr val="000000">
+                      <a:alpha val="43137"/>
+                    </a:srgbClr>
+                  </a:outerShdw>
+                </a:effectLst>
+                <a:latin typeface="Galocca Personal Use" pitchFamily="50" charset="0"/>
+              </a:rPr>
+              <a:t>e</a:t>
+            </a:r>
+            <a:r>
+              <a:rPr lang="en-US" sz="5400" b="1" dirty="0">
+                <a:ln>
+                  <a:solidFill>
+                    <a:schemeClr val="tx1"/>
+                  </a:solidFill>
+                </a:ln>
+                <a:solidFill>
+                  <a:schemeClr val="bg1">
+                    <a:lumMod val="95000"/>
+                  </a:schemeClr>
+                </a:solidFill>
+                <a:effectLst>
+                  <a:outerShdw blurRad="38100" dist="38100" dir="2700000" algn="tl">
+                    <a:srgbClr val="000000">
+                      <a:alpha val="43137"/>
+                    </a:srgbClr>
+                  </a:outerShdw>
+                </a:effectLst>
+                <a:latin typeface="Galocca Personal Use" pitchFamily="50" charset="0"/>
+              </a:rPr>
+              <a:t> </a:t>
+            </a:r>
+            <a:r>
+              <a:rPr lang="en-US" sz="9600" b="1" dirty="0">
+                <a:ln>
+                  <a:solidFill>
+                    <a:schemeClr val="tx1"/>
+                  </a:solidFill>
+                </a:ln>
+                <a:solidFill>
+                  <a:schemeClr val="bg1">
+                    <a:lumMod val="95000"/>
+                  </a:schemeClr>
+                </a:solidFill>
+                <a:effectLst>
+                  <a:outerShdw blurRad="38100" dist="38100" dir="2700000" algn="tl">
+                    <a:srgbClr val="000000">
+                      <a:alpha val="43137"/>
+                    </a:srgbClr>
+                  </a:outerShdw>
+                </a:effectLst>
+                <a:latin typeface="Galocca Personal Use" pitchFamily="50" charset="0"/>
+              </a:rPr>
+              <a:t>b</a:t>
+            </a:r>
+            <a:r>
+              <a:rPr lang="en-US" sz="5400" b="1" dirty="0">
+                <a:ln>
+                  <a:solidFill>
+                    <a:schemeClr val="tx1"/>
+                  </a:solidFill>
+                </a:ln>
+                <a:solidFill>
+                  <a:schemeClr val="bg1">
+                    <a:lumMod val="95000"/>
+                  </a:schemeClr>
+                </a:solidFill>
+                <a:effectLst>
+                  <a:outerShdw blurRad="38100" dist="38100" dir="2700000" algn="tl">
+                    <a:srgbClr val="000000">
+                      <a:alpha val="43137"/>
+                    </a:srgbClr>
+                  </a:outerShdw>
+                </a:effectLst>
+                <a:latin typeface="Galocca Personal Use" pitchFamily="50" charset="0"/>
+              </a:rPr>
+              <a:t> </a:t>
+            </a:r>
+            <a:r>
+              <a:rPr lang="en-US" sz="9600" b="1" dirty="0">
+                <a:ln>
+                  <a:solidFill>
+                    <a:schemeClr val="tx1"/>
+                  </a:solidFill>
+                </a:ln>
+                <a:solidFill>
+                  <a:schemeClr val="bg1">
+                    <a:lumMod val="95000"/>
+                  </a:schemeClr>
+                </a:solidFill>
+                <a:effectLst>
+                  <a:outerShdw blurRad="38100" dist="38100" dir="2700000" algn="tl">
+                    <a:srgbClr val="000000">
+                      <a:alpha val="43137"/>
+                    </a:srgbClr>
+                  </a:outerShdw>
+                </a:effectLst>
+                <a:latin typeface="Galocca Personal Use" pitchFamily="50" charset="0"/>
+              </a:rPr>
+              <a:t>u</a:t>
+            </a:r>
+            <a:r>
+              <a:rPr lang="en-US" sz="5400" b="1" dirty="0">
+                <a:ln>
+                  <a:solidFill>
+                    <a:schemeClr val="tx1"/>
+                  </a:solidFill>
+                </a:ln>
+                <a:solidFill>
+                  <a:schemeClr val="bg1">
+                    <a:lumMod val="95000"/>
+                  </a:schemeClr>
+                </a:solidFill>
+                <a:effectLst>
+                  <a:outerShdw blurRad="38100" dist="38100" dir="2700000" algn="tl">
+                    <a:srgbClr val="000000">
+                      <a:alpha val="43137"/>
+                    </a:srgbClr>
+                  </a:outerShdw>
+                </a:effectLst>
+                <a:latin typeface="Galocca Personal Use" pitchFamily="50" charset="0"/>
+              </a:rPr>
+              <a:t> </a:t>
+            </a:r>
+            <a:r>
+              <a:rPr lang="en-US" sz="9600" b="1" dirty="0">
+                <a:ln>
+                  <a:solidFill>
+                    <a:schemeClr val="tx1"/>
+                  </a:solidFill>
+                </a:ln>
+                <a:solidFill>
+                  <a:schemeClr val="bg1">
+                    <a:lumMod val="95000"/>
+                  </a:schemeClr>
+                </a:solidFill>
+                <a:effectLst>
+                  <a:outerShdw blurRad="38100" dist="38100" dir="2700000" algn="tl">
+                    <a:srgbClr val="000000">
+                      <a:alpha val="43137"/>
+                    </a:srgbClr>
+                  </a:outerShdw>
+                </a:effectLst>
+                <a:latin typeface="Galocca Personal Use" pitchFamily="50" charset="0"/>
+              </a:rPr>
+              <a:t>l</a:t>
+            </a:r>
+            <a:r>
+              <a:rPr lang="en-US" sz="5400" b="1" dirty="0">
+                <a:ln>
+                  <a:solidFill>
+                    <a:schemeClr val="tx1"/>
+                  </a:solidFill>
+                </a:ln>
+                <a:solidFill>
+                  <a:schemeClr val="bg1">
+                    <a:lumMod val="95000"/>
+                  </a:schemeClr>
+                </a:solidFill>
+                <a:effectLst>
+                  <a:outerShdw blurRad="38100" dist="38100" dir="2700000" algn="tl">
+                    <a:srgbClr val="000000">
+                      <a:alpha val="43137"/>
+                    </a:srgbClr>
+                  </a:outerShdw>
+                </a:effectLst>
+                <a:latin typeface="Galocca Personal Use" pitchFamily="50" charset="0"/>
+              </a:rPr>
+              <a:t> </a:t>
+            </a:r>
+            <a:r>
+              <a:rPr lang="en-US" sz="9600" b="1" dirty="0">
+                <a:ln>
+                  <a:solidFill>
+                    <a:schemeClr val="tx1"/>
+                  </a:solidFill>
+                </a:ln>
+                <a:solidFill>
+                  <a:schemeClr val="bg1">
+                    <a:lumMod val="95000"/>
+                  </a:schemeClr>
+                </a:solidFill>
+                <a:effectLst>
+                  <a:outerShdw blurRad="38100" dist="38100" dir="2700000" algn="tl">
+                    <a:srgbClr val="000000">
+                      <a:alpha val="43137"/>
+                    </a:srgbClr>
+                  </a:outerShdw>
+                </a:effectLst>
+                <a:latin typeface="Galocca Personal Use" pitchFamily="50" charset="0"/>
+              </a:rPr>
+              <a:t>a</a:t>
+            </a:r>
+            <a:r>
+              <a:rPr lang="en-US" sz="5400" b="1" dirty="0">
+                <a:ln>
+                  <a:solidFill>
+                    <a:schemeClr val="tx1"/>
+                  </a:solidFill>
+                </a:ln>
+                <a:solidFill>
+                  <a:schemeClr val="bg1">
+                    <a:lumMod val="95000"/>
+                  </a:schemeClr>
+                </a:solidFill>
+                <a:effectLst>
+                  <a:outerShdw blurRad="38100" dist="38100" dir="2700000" algn="tl">
+                    <a:srgbClr val="000000">
+                      <a:alpha val="43137"/>
+                    </a:srgbClr>
+                  </a:outerShdw>
+                </a:effectLst>
+                <a:latin typeface="Galocca Personal Use" pitchFamily="50" charset="0"/>
+              </a:rPr>
+              <a:t> </a:t>
+            </a:r>
+            <a:r>
+              <a:rPr lang="en-US" sz="9600" b="1" dirty="0">
+                <a:ln>
+                  <a:solidFill>
+                    <a:schemeClr val="tx1"/>
+                  </a:solidFill>
+                </a:ln>
+                <a:solidFill>
+                  <a:schemeClr val="bg1">
+                    <a:lumMod val="95000"/>
+                  </a:schemeClr>
+                </a:solidFill>
+                <a:effectLst>
+                  <a:outerShdw blurRad="38100" dist="38100" dir="2700000" algn="tl">
+                    <a:srgbClr val="000000">
+                      <a:alpha val="43137"/>
+                    </a:srgbClr>
+                  </a:outerShdw>
+                </a:effectLst>
+                <a:latin typeface="Galocca Personal Use" pitchFamily="50" charset="0"/>
+              </a:rPr>
+              <a:t>n</a:t>
+            </a:r>
+          </a:p>
+        </p:txBody>
+      </p:sp>
+    </p:spTree>
+    <p:extLst>
+      <p:ext uri="{BB962C8B-B14F-4D97-AF65-F5344CB8AC3E}">
+        <p14:creationId xmlns:p14="http://schemas.microsoft.com/office/powerpoint/2010/main" val="577309529"/>
+      </p:ext>
+    </p:extLst>
+  </p:cSld>
+  <p:clrMapOvr>
+    <a:masterClrMapping/>
+  </p:clrMapOvr>
+</p:sld>
+</file>
+
 <file path=ppt/theme/theme1.xml><?xml version="1.0" encoding="utf-8"?>
 <a:theme xmlns:a="http://schemas.openxmlformats.org/drawingml/2006/main" name="Office Theme">
   <a:themeElements>
